--- a/CoursePPT/Azure DevOps.pptx
+++ b/CoursePPT/Azure DevOps.pptx
@@ -158,6 +158,43 @@
 </p:presentation>
 </file>
 
+<file path=ppt/changesInfos/changesInfo1.xml><?xml version="1.0" encoding="utf-8"?>
+<pc:chgInfo xmlns:a="http://schemas.openxmlformats.org/drawingml/2006/main" xmlns:r="http://schemas.openxmlformats.org/officeDocument/2006/relationships" xmlns:ac="http://schemas.microsoft.com/office/drawing/2013/main/command" xmlns:pc="http://schemas.microsoft.com/office/powerpoint/2013/main/command">
+  <pc:docChgLst>
+    <pc:chgData name="RamanaReddy, Buchepalli" userId="1badf3cc-4aa7-4c20-8d0f-dace4dab76e5" providerId="ADAL" clId="{1F3695D3-BC4B-4A11-85AE-09DBB25DD686}"/>
+    <pc:docChg chg="custSel modSld">
+      <pc:chgData name="RamanaReddy, Buchepalli" userId="1badf3cc-4aa7-4c20-8d0f-dace4dab76e5" providerId="ADAL" clId="{1F3695D3-BC4B-4A11-85AE-09DBB25DD686}" dt="2022-06-10T02:01:15.331" v="1" actId="478"/>
+      <pc:docMkLst>
+        <pc:docMk/>
+      </pc:docMkLst>
+      <pc:sldChg chg="delSp mod">
+        <pc:chgData name="RamanaReddy, Buchepalli" userId="1badf3cc-4aa7-4c20-8d0f-dace4dab76e5" providerId="ADAL" clId="{1F3695D3-BC4B-4A11-85AE-09DBB25DD686}" dt="2022-06-10T02:01:15.331" v="1" actId="478"/>
+        <pc:sldMkLst>
+          <pc:docMk/>
+          <pc:sldMk cId="2582585616" sldId="256"/>
+        </pc:sldMkLst>
+        <pc:spChg chg="del">
+          <ac:chgData name="RamanaReddy, Buchepalli" userId="1badf3cc-4aa7-4c20-8d0f-dace4dab76e5" providerId="ADAL" clId="{1F3695D3-BC4B-4A11-85AE-09DBB25DD686}" dt="2022-06-10T02:01:11.573" v="0" actId="478"/>
+          <ac:spMkLst>
+            <pc:docMk/>
+            <pc:sldMk cId="2582585616" sldId="256"/>
+            <ac:spMk id="6" creationId="{7A4EF91D-0DF2-47B6-A432-E763AF95AF4D}"/>
+          </ac:spMkLst>
+        </pc:spChg>
+        <pc:spChg chg="del">
+          <ac:chgData name="RamanaReddy, Buchepalli" userId="1badf3cc-4aa7-4c20-8d0f-dace4dab76e5" providerId="ADAL" clId="{1F3695D3-BC4B-4A11-85AE-09DBB25DD686}" dt="2022-06-10T02:01:15.331" v="1" actId="478"/>
+          <ac:spMkLst>
+            <pc:docMk/>
+            <pc:sldMk cId="2582585616" sldId="256"/>
+            <ac:spMk id="7" creationId="{85F9BB5B-3881-4772-AFE6-7616E6E27888}"/>
+          </ac:spMkLst>
+        </pc:spChg>
+      </pc:sldChg>
+    </pc:docChg>
+  </pc:docChgLst>
+</pc:chgInfo>
+</file>
+
 <file path=ppt/handoutMasters/handoutMaster1.xml><?xml version="1.0" encoding="utf-8"?>
 <p:handoutMaster xmlns:a="http://schemas.openxmlformats.org/drawingml/2006/main" xmlns:r="http://schemas.openxmlformats.org/officeDocument/2006/relationships" xmlns:p="http://schemas.openxmlformats.org/presentationml/2006/main">
   <p:cSld>
@@ -252,7 +289,7 @@
           <a:p>
             <a:fld id="{DFE1DBC8-23A8-42A7-B2FD-E5AAA12F60B4}" type="datetimeFigureOut">
               <a:rPr lang="en-IN" smtClean="0"/>
-              <a:t>12-05-2022</a:t>
+              <a:t>10-06-2022</a:t>
             </a:fld>
             <a:endParaRPr lang="en-IN"/>
           </a:p>
@@ -474,7 +511,7 @@
           <a:p>
             <a:fld id="{EC922C80-6E11-4D98-AA0B-1CAA7CE08F22}" type="datetimeFigureOut">
               <a:rPr lang="en-IN" smtClean="0"/>
-              <a:t>12-05-2022</a:t>
+              <a:t>10-06-2022</a:t>
             </a:fld>
             <a:endParaRPr lang="en-IN"/>
           </a:p>
@@ -891,7 +928,7 @@
           <a:p>
             <a:fld id="{E6BA112A-52B1-4D4D-8A4A-C999F6D4724A}" type="datetime1">
               <a:rPr lang="en-IN" smtClean="0"/>
-              <a:t>12-05-2022</a:t>
+              <a:t>10-06-2022</a:t>
             </a:fld>
             <a:endParaRPr lang="en-IN"/>
           </a:p>
@@ -1091,7 +1128,7 @@
           <a:p>
             <a:fld id="{C6436444-5DED-4F85-903F-3ABFCE1C71A2}" type="datetime1">
               <a:rPr lang="en-IN" smtClean="0"/>
-              <a:t>12-05-2022</a:t>
+              <a:t>10-06-2022</a:t>
             </a:fld>
             <a:endParaRPr lang="en-IN"/>
           </a:p>
@@ -1301,7 +1338,7 @@
           <a:p>
             <a:fld id="{85941C61-722E-459F-9080-D81B6C49B3CC}" type="datetime1">
               <a:rPr lang="en-IN" smtClean="0"/>
-              <a:t>12-05-2022</a:t>
+              <a:t>10-06-2022</a:t>
             </a:fld>
             <a:endParaRPr lang="en-IN"/>
           </a:p>
@@ -1501,7 +1538,7 @@
           <a:p>
             <a:fld id="{EC3EE996-5B1B-4A56-B7A5-B33970CAB36D}" type="datetime1">
               <a:rPr lang="en-IN" smtClean="0"/>
-              <a:t>12-05-2022</a:t>
+              <a:t>10-06-2022</a:t>
             </a:fld>
             <a:endParaRPr lang="en-IN"/>
           </a:p>
@@ -1777,7 +1814,7 @@
           <a:p>
             <a:fld id="{8C8AE83B-3D17-4ED7-9D08-9FB60CE10B2A}" type="datetime1">
               <a:rPr lang="en-IN" smtClean="0"/>
-              <a:t>12-05-2022</a:t>
+              <a:t>10-06-2022</a:t>
             </a:fld>
             <a:endParaRPr lang="en-IN"/>
           </a:p>
@@ -2045,7 +2082,7 @@
           <a:p>
             <a:fld id="{ADAC01FB-4B30-44DD-8EAE-2A7638980843}" type="datetime1">
               <a:rPr lang="en-IN" smtClean="0"/>
-              <a:t>12-05-2022</a:t>
+              <a:t>10-06-2022</a:t>
             </a:fld>
             <a:endParaRPr lang="en-IN"/>
           </a:p>
@@ -2460,7 +2497,7 @@
           <a:p>
             <a:fld id="{EFFBD672-3DA4-4D0E-9BDC-49BBFB13B5F6}" type="datetime1">
               <a:rPr lang="en-IN" smtClean="0"/>
-              <a:t>12-05-2022</a:t>
+              <a:t>10-06-2022</a:t>
             </a:fld>
             <a:endParaRPr lang="en-IN"/>
           </a:p>
@@ -2602,7 +2639,7 @@
           <a:p>
             <a:fld id="{80763A9B-9F99-4B2B-BE3E-98C84384B7F8}" type="datetime1">
               <a:rPr lang="en-IN" smtClean="0"/>
-              <a:t>12-05-2022</a:t>
+              <a:t>10-06-2022</a:t>
             </a:fld>
             <a:endParaRPr lang="en-IN"/>
           </a:p>
@@ -2715,7 +2752,7 @@
           <a:p>
             <a:fld id="{5D511AE9-535C-4B43-BA68-5DE6CDEE9E3C}" type="datetime1">
               <a:rPr lang="en-IN" smtClean="0"/>
-              <a:t>12-05-2022</a:t>
+              <a:t>10-06-2022</a:t>
             </a:fld>
             <a:endParaRPr lang="en-IN"/>
           </a:p>
@@ -3028,7 +3065,7 @@
           <a:p>
             <a:fld id="{BF28005D-A40D-4C01-AD77-FACFE810AF96}" type="datetime1">
               <a:rPr lang="en-IN" smtClean="0"/>
-              <a:t>12-05-2022</a:t>
+              <a:t>10-06-2022</a:t>
             </a:fld>
             <a:endParaRPr lang="en-IN"/>
           </a:p>
@@ -3317,7 +3354,7 @@
           <a:p>
             <a:fld id="{12CE1FEC-ACC6-410B-9E6F-6D4F497BEAF9}" type="datetime1">
               <a:rPr lang="en-IN" smtClean="0"/>
-              <a:t>12-05-2022</a:t>
+              <a:t>10-06-2022</a:t>
             </a:fld>
             <a:endParaRPr lang="en-IN"/>
           </a:p>
@@ -3569,7 +3606,7 @@
           <a:p>
             <a:fld id="{E8FB4BB8-FD4B-49F4-9679-861DA2D5CF14}" type="datetime1">
               <a:rPr lang="en-IN" smtClean="0"/>
-              <a:t>12-05-2022</a:t>
+              <a:t>10-06-2022</a:t>
             </a:fld>
             <a:endParaRPr lang="en-IN"/>
           </a:p>
@@ -4577,100 +4614,6 @@
           <a:p>
             <a:pPr algn="ctr"/>
             <a:endParaRPr lang="en-US"/>
-          </a:p>
-        </p:txBody>
-      </p:sp>
-      <p:sp>
-        <p:nvSpPr>
-          <p:cNvPr id="6" name="TextBox 5">
-            <a:extLst>
-              <a:ext uri="{FF2B5EF4-FFF2-40B4-BE49-F238E27FC236}">
-                <a16:creationId xmlns:a16="http://schemas.microsoft.com/office/drawing/2014/main" id="{7A4EF91D-0DF2-47B6-A432-E763AF95AF4D}"/>
-              </a:ext>
-            </a:extLst>
-          </p:cNvPr>
-          <p:cNvSpPr txBox="1"/>
-          <p:nvPr/>
-        </p:nvSpPr>
-        <p:spPr>
-          <a:xfrm>
-            <a:off x="6285390" y="3862077"/>
-            <a:ext cx="2133593" cy="954107"/>
-          </a:xfrm>
-          <a:prstGeom prst="rect">
-            <a:avLst/>
-          </a:prstGeom>
-          <a:noFill/>
-        </p:spPr>
-        <p:txBody>
-          <a:bodyPr wrap="square" rtlCol="0">
-            <a:spAutoFit/>
-          </a:bodyPr>
-          <a:lstStyle/>
-          <a:p>
-            <a:r>
-              <a:rPr lang="en-IN" sz="2800" b="1" i="1" dirty="0">
-                <a:solidFill>
-                  <a:schemeClr val="accent1">
-                    <a:lumMod val="75000"/>
-                  </a:schemeClr>
-                </a:solidFill>
-              </a:rPr>
-              <a:t>Ramana B</a:t>
-            </a:r>
-          </a:p>
-          <a:p>
-            <a:r>
-              <a:rPr lang="en-IN" sz="2800" b="1" i="1" dirty="0">
-                <a:solidFill>
-                  <a:schemeClr val="accent1">
-                    <a:lumMod val="75000"/>
-                  </a:schemeClr>
-                </a:solidFill>
-              </a:rPr>
-              <a:t>10+ Yrs. in IT</a:t>
-            </a:r>
-          </a:p>
-        </p:txBody>
-      </p:sp>
-      <p:sp>
-        <p:nvSpPr>
-          <p:cNvPr id="7" name="TextBox 6">
-            <a:extLst>
-              <a:ext uri="{FF2B5EF4-FFF2-40B4-BE49-F238E27FC236}">
-                <a16:creationId xmlns:a16="http://schemas.microsoft.com/office/drawing/2014/main" id="{85F9BB5B-3881-4772-AFE6-7616E6E27888}"/>
-              </a:ext>
-            </a:extLst>
-          </p:cNvPr>
-          <p:cNvSpPr txBox="1"/>
-          <p:nvPr/>
-        </p:nvSpPr>
-        <p:spPr>
-          <a:xfrm>
-            <a:off x="5906611" y="3553124"/>
-            <a:ext cx="1168892" cy="523220"/>
-          </a:xfrm>
-          <a:prstGeom prst="rect">
-            <a:avLst/>
-          </a:prstGeom>
-          <a:noFill/>
-        </p:spPr>
-        <p:txBody>
-          <a:bodyPr wrap="square" rtlCol="0">
-            <a:spAutoFit/>
-          </a:bodyPr>
-          <a:lstStyle/>
-          <a:p>
-            <a:r>
-              <a:rPr lang="en-IN" sz="2800" b="1" i="1" dirty="0">
-                <a:solidFill>
-                  <a:schemeClr val="accent1">
-                    <a:lumMod val="75000"/>
-                  </a:schemeClr>
-                </a:solidFill>
-              </a:rPr>
-              <a:t>By</a:t>
-            </a:r>
           </a:p>
         </p:txBody>
       </p:sp>
